--- a/Productivity/PowershellProductivityTool.pptx
+++ b/Productivity/PowershellProductivityTool.pptx
@@ -2986,40 +2986,12 @@
           <a:p>
             <a:r>
               <a:rPr lang="en-US" dirty="0" smtClean="0"/>
-              <a:t>PowerShell Workday </a:t>
-            </a:r>
-            <a:r>
-              <a:rPr lang="en-US" dirty="0" smtClean="0"/>
-              <a:t>Productivity Tool</a:t>
+              <a:t>PowerShell Workday Productivity Tool</a:t>
             </a:r>
             <a:endParaRPr lang="en-US" dirty="0"/>
           </a:p>
         </p:txBody>
       </p:sp>
-      <p:pic>
-        <p:nvPicPr>
-          <p:cNvPr id="3" name="Picture 2"/>
-          <p:cNvPicPr>
-            <a:picLocks noChangeAspect="1"/>
-          </p:cNvPicPr>
-          <p:nvPr/>
-        </p:nvPicPr>
-        <p:blipFill>
-          <a:blip r:embed="rId2"/>
-          <a:stretch>
-            <a:fillRect/>
-          </a:stretch>
-        </p:blipFill>
-        <p:spPr>
-          <a:xfrm>
-            <a:off x="240220" y="1799940"/>
-            <a:ext cx="5620703" cy="3673792"/>
-          </a:xfrm>
-          <a:prstGeom prst="rect">
-            <a:avLst/>
-          </a:prstGeom>
-        </p:spPr>
-      </p:pic>
       <p:pic>
         <p:nvPicPr>
           <p:cNvPr id="4" name="Picture 3"/>
@@ -3029,7 +3001,7 @@
           <p:nvPr/>
         </p:nvPicPr>
         <p:blipFill>
-          <a:blip r:embed="rId3"/>
+          <a:blip r:embed="rId2"/>
           <a:stretch>
             <a:fillRect/>
           </a:stretch>
@@ -3066,12 +3038,14 @@
           </a:bodyPr>
           <a:lstStyle/>
           <a:p>
+            <a:pPr algn="ctr"/>
             <a:r>
               <a:rPr lang="en-US" dirty="0" smtClean="0"/>
               <a:t>Runs Automatically at Computer Login</a:t>
             </a:r>
           </a:p>
           <a:p>
+            <a:pPr algn="ctr"/>
             <a:r>
               <a:rPr lang="en-US" dirty="0" smtClean="0"/>
               <a:t>Can be used company-wide</a:t>
@@ -3179,6 +3153,36 @@
           </a:p>
         </p:txBody>
       </p:sp>
+      <p:pic>
+        <p:nvPicPr>
+          <p:cNvPr id="7" name="Picture 6"/>
+          <p:cNvPicPr>
+            <a:picLocks noChangeAspect="1"/>
+          </p:cNvPicPr>
+          <p:nvPr/>
+        </p:nvPicPr>
+        <p:blipFill>
+          <a:blip r:embed="rId3">
+            <a:extLst>
+              <a:ext uri="{28A0092B-C50C-407E-A947-70E740481C1C}">
+                <a14:useLocalDpi xmlns:a14="http://schemas.microsoft.com/office/drawing/2010/main" val="0"/>
+              </a:ext>
+            </a:extLst>
+          </a:blip>
+          <a:stretch>
+            <a:fillRect/>
+          </a:stretch>
+        </p:blipFill>
+        <p:spPr>
+          <a:xfrm>
+            <a:off x="278139" y="1728408"/>
+            <a:ext cx="5347726" cy="3493170"/>
+          </a:xfrm>
+          <a:prstGeom prst="rect">
+            <a:avLst/>
+          </a:prstGeom>
+        </p:spPr>
+      </p:pic>
     </p:spTree>
     <p:extLst>
       <p:ext uri="{BB962C8B-B14F-4D97-AF65-F5344CB8AC3E}">
